--- a/protected/document/Capella ERP Indonesia.pptx
+++ b/protected/document/Capella ERP Indonesia.pptx
@@ -1933,7 +1933,7 @@
           <a:p>
             <a:fld id="{DD95ADA4-A25D-4396-BAB7-9697F67E5C49}" type="datetimeFigureOut">
               <a:rPr lang="en-US" smtClean="0"/>
-              <a:t>4/10/2013</a:t>
+              <a:t>5/11/2013</a:t>
             </a:fld>
             <a:endParaRPr lang="en-US"/>
           </a:p>
@@ -2114,7 +2114,7 @@
           <a:p>
             <a:fld id="{DD95ADA4-A25D-4396-BAB7-9697F67E5C49}" type="datetimeFigureOut">
               <a:rPr lang="en-US" smtClean="0"/>
-              <a:t>4/10/2013</a:t>
+              <a:t>5/11/2013</a:t>
             </a:fld>
             <a:endParaRPr lang="en-US"/>
           </a:p>
@@ -2265,7 +2265,7 @@
           <a:p>
             <a:fld id="{DD95ADA4-A25D-4396-BAB7-9697F67E5C49}" type="datetimeFigureOut">
               <a:rPr lang="en-US" smtClean="0"/>
-              <a:t>4/10/2013</a:t>
+              <a:t>5/11/2013</a:t>
             </a:fld>
             <a:endParaRPr lang="en-US"/>
           </a:p>
@@ -4091,7 +4091,7 @@
           <a:p>
             <a:fld id="{DD95ADA4-A25D-4396-BAB7-9697F67E5C49}" type="datetimeFigureOut">
               <a:rPr lang="en-US" smtClean="0"/>
-              <a:t>4/10/2013</a:t>
+              <a:t>5/11/2013</a:t>
             </a:fld>
             <a:endParaRPr lang="en-US"/>
           </a:p>
@@ -5961,7 +5961,7 @@
           <a:p>
             <a:fld id="{DD95ADA4-A25D-4396-BAB7-9697F67E5C49}" type="datetimeFigureOut">
               <a:rPr lang="en-US" smtClean="0"/>
-              <a:t>4/10/2013</a:t>
+              <a:t>5/11/2013</a:t>
             </a:fld>
             <a:endParaRPr lang="en-US"/>
           </a:p>
@@ -6074,7 +6074,7 @@
           <a:p>
             <a:fld id="{DD95ADA4-A25D-4396-BAB7-9697F67E5C49}" type="datetimeFigureOut">
               <a:rPr lang="en-US" smtClean="0"/>
-              <a:t>4/10/2013</a:t>
+              <a:t>5/11/2013</a:t>
             </a:fld>
             <a:endParaRPr lang="en-US"/>
           </a:p>
@@ -6615,7 +6615,7 @@
           <a:p>
             <a:fld id="{DD95ADA4-A25D-4396-BAB7-9697F67E5C49}" type="datetimeFigureOut">
               <a:rPr lang="en-US" smtClean="0"/>
-              <a:t>4/10/2013</a:t>
+              <a:t>5/11/2013</a:t>
             </a:fld>
             <a:endParaRPr lang="en-US"/>
           </a:p>
@@ -6728,7 +6728,7 @@
           <a:p>
             <a:fld id="{DD95ADA4-A25D-4396-BAB7-9697F67E5C49}" type="datetimeFigureOut">
               <a:rPr lang="en-US" smtClean="0"/>
-              <a:t>4/10/2013</a:t>
+              <a:t>5/11/2013</a:t>
             </a:fld>
             <a:endParaRPr lang="en-US"/>
           </a:p>
@@ -8439,7 +8439,7 @@
           <a:p>
             <a:fld id="{DD95ADA4-A25D-4396-BAB7-9697F67E5C49}" type="datetimeFigureOut">
               <a:rPr lang="en-US" smtClean="0"/>
-              <a:t>4/10/2013</a:t>
+              <a:t>5/11/2013</a:t>
             </a:fld>
             <a:endParaRPr lang="en-US"/>
           </a:p>
@@ -8590,7 +8590,7 @@
           <a:p>
             <a:fld id="{DD95ADA4-A25D-4396-BAB7-9697F67E5C49}" type="datetimeFigureOut">
               <a:rPr lang="en-US" smtClean="0"/>
-              <a:t>4/10/2013</a:t>
+              <a:t>5/11/2013</a:t>
             </a:fld>
             <a:endParaRPr lang="en-US"/>
           </a:p>
@@ -12205,7 +12205,7 @@
           <a:p>
             <a:fld id="{DD95ADA4-A25D-4396-BAB7-9697F67E5C49}" type="datetimeFigureOut">
               <a:rPr lang="en-US" smtClean="0"/>
-              <a:t>4/10/2013</a:t>
+              <a:t>5/11/2013</a:t>
             </a:fld>
             <a:endParaRPr lang="en-US"/>
           </a:p>
@@ -14064,7 +14064,7 @@
           <a:p>
             <a:fld id="{DD95ADA4-A25D-4396-BAB7-9697F67E5C49}" type="datetimeFigureOut">
               <a:rPr lang="en-US" smtClean="0"/>
-              <a:t>4/10/2013</a:t>
+              <a:t>5/11/2013</a:t>
             </a:fld>
             <a:endParaRPr lang="en-US"/>
           </a:p>
@@ -15010,6 +15010,39 @@
           </a:prstGeom>
         </p:spPr>
       </p:pic>
+      <p:cxnSp>
+        <p:nvCxnSpPr>
+          <p:cNvPr id="7" name="Straight Arrow Connector 6"/>
+          <p:cNvCxnSpPr/>
+          <p:nvPr/>
+        </p:nvCxnSpPr>
+        <p:spPr>
+          <a:xfrm flipH="1">
+            <a:off x="7948888" y="4406919"/>
+            <a:ext cx="4486" cy="489819"/>
+          </a:xfrm>
+          <a:prstGeom prst="straightConnector1">
+            <a:avLst/>
+          </a:prstGeom>
+          <a:ln>
+            <a:tailEnd type="arrow"/>
+          </a:ln>
+        </p:spPr>
+        <p:style>
+          <a:lnRef idx="2">
+            <a:schemeClr val="dk1"/>
+          </a:lnRef>
+          <a:fillRef idx="0">
+            <a:schemeClr val="dk1"/>
+          </a:fillRef>
+          <a:effectRef idx="1">
+            <a:schemeClr val="dk1"/>
+          </a:effectRef>
+          <a:fontRef idx="minor">
+            <a:schemeClr val="tx1"/>
+          </a:fontRef>
+        </p:style>
+      </p:cxnSp>
     </p:spTree>
     <p:extLst>
       <p:ext uri="{BB962C8B-B14F-4D97-AF65-F5344CB8AC3E}">
@@ -15284,7 +15317,7 @@
         </p:nvSpPr>
         <p:spPr>
           <a:xfrm>
-            <a:off x="826771" y="2428875"/>
+            <a:off x="826771" y="2714625"/>
             <a:ext cx="1371598" cy="685800"/>
           </a:xfrm>
           <a:prstGeom prst="rect">
@@ -15337,7 +15370,7 @@
         </p:nvSpPr>
         <p:spPr>
           <a:xfrm>
-            <a:off x="817246" y="3600450"/>
+            <a:off x="817246" y="3886200"/>
             <a:ext cx="1371598" cy="685800"/>
           </a:xfrm>
           <a:prstGeom prst="rect">
@@ -15390,7 +15423,7 @@
         </p:nvSpPr>
         <p:spPr>
           <a:xfrm>
-            <a:off x="3581400" y="5353050"/>
+            <a:off x="3581400" y="5638800"/>
             <a:ext cx="1371598" cy="685800"/>
           </a:xfrm>
           <a:prstGeom prst="rect">
@@ -15443,7 +15476,7 @@
         </p:nvSpPr>
         <p:spPr>
           <a:xfrm>
-            <a:off x="6324600" y="2428875"/>
+            <a:off x="6324600" y="2714625"/>
             <a:ext cx="1371598" cy="685800"/>
           </a:xfrm>
           <a:prstGeom prst="rect">
@@ -15496,7 +15529,7 @@
         </p:nvSpPr>
         <p:spPr>
           <a:xfrm>
-            <a:off x="6324600" y="3600450"/>
+            <a:off x="6324600" y="3857625"/>
             <a:ext cx="1371598" cy="685800"/>
           </a:xfrm>
           <a:prstGeom prst="rect">
@@ -15552,7 +15585,7 @@
         </p:nvCxnSpPr>
         <p:spPr>
           <a:xfrm flipH="1">
-            <a:off x="1503045" y="3114675"/>
+            <a:off x="1503045" y="3400425"/>
             <a:ext cx="9525" cy="485775"/>
           </a:xfrm>
           <a:prstGeom prst="straightConnector1">
@@ -15588,8 +15621,8 @@
         </p:nvCxnSpPr>
         <p:spPr>
           <a:xfrm>
-            <a:off x="7010399" y="3114675"/>
-            <a:ext cx="0" cy="485775"/>
+            <a:off x="7010399" y="3400425"/>
+            <a:ext cx="0" cy="457200"/>
           </a:xfrm>
           <a:prstGeom prst="straightConnector1">
             <a:avLst/>
@@ -15624,8 +15657,8 @@
         </p:nvCxnSpPr>
         <p:spPr>
           <a:xfrm flipV="1">
-            <a:off x="2188844" y="2771775"/>
-            <a:ext cx="1401128" cy="1171575"/>
+            <a:off x="2188844" y="4210050"/>
+            <a:ext cx="1401128" cy="19050"/>
           </a:xfrm>
           <a:prstGeom prst="bentConnector3">
             <a:avLst>
@@ -15661,9 +15694,9 @@
           <p:nvPr/>
         </p:nvCxnSpPr>
         <p:spPr>
-          <a:xfrm rot="10800000">
-            <a:off x="4961570" y="2771776"/>
-            <a:ext cx="1363030" cy="1171575"/>
+          <a:xfrm rot="10800000" flipV="1">
+            <a:off x="4961570" y="4200524"/>
+            <a:ext cx="1363030" cy="9525"/>
           </a:xfrm>
           <a:prstGeom prst="bentConnector3">
             <a:avLst>
@@ -15697,7 +15730,7 @@
         </p:nvSpPr>
         <p:spPr>
           <a:xfrm>
-            <a:off x="3589972" y="2428875"/>
+            <a:off x="3589972" y="3867150"/>
             <a:ext cx="1371598" cy="685800"/>
           </a:xfrm>
           <a:prstGeom prst="rect">
@@ -15750,7 +15783,7 @@
         </p:nvSpPr>
         <p:spPr>
           <a:xfrm>
-            <a:off x="3598544" y="3733800"/>
+            <a:off x="3581400" y="2190750"/>
             <a:ext cx="1371598" cy="685800"/>
           </a:xfrm>
           <a:prstGeom prst="rect">
@@ -15799,15 +15832,15 @@
         <p:nvCxnSpPr>
           <p:cNvPr id="56" name="Straight Arrow Connector 55"/>
           <p:cNvCxnSpPr>
-            <a:stCxn id="24" idx="2"/>
-            <a:endCxn id="48" idx="0"/>
+            <a:stCxn id="48" idx="2"/>
+            <a:endCxn id="24" idx="0"/>
           </p:cNvCxnSpPr>
           <p:nvPr/>
         </p:nvCxnSpPr>
         <p:spPr>
           <a:xfrm>
-            <a:off x="4275771" y="3114675"/>
-            <a:ext cx="8572" cy="619125"/>
+            <a:off x="4267199" y="2876550"/>
+            <a:ext cx="8572" cy="990600"/>
           </a:xfrm>
           <a:prstGeom prst="straightConnector1">
             <a:avLst/>
@@ -15833,19 +15866,91 @@
       </p:cxnSp>
       <p:cxnSp>
         <p:nvCxnSpPr>
-          <p:cNvPr id="58" name="Straight Arrow Connector 57"/>
+          <p:cNvPr id="35" name="Straight Arrow Connector 34"/>
           <p:cNvCxnSpPr>
-            <a:stCxn id="48" idx="2"/>
+            <a:stCxn id="24" idx="2"/>
             <a:endCxn id="10" idx="0"/>
           </p:cNvCxnSpPr>
           <p:nvPr/>
         </p:nvCxnSpPr>
         <p:spPr>
           <a:xfrm flipH="1">
-            <a:off x="4267199" y="4419600"/>
-            <a:ext cx="17144" cy="933450"/>
+            <a:off x="4267199" y="4552950"/>
+            <a:ext cx="8572" cy="1085850"/>
           </a:xfrm>
           <a:prstGeom prst="straightConnector1">
+            <a:avLst/>
+          </a:prstGeom>
+          <a:ln>
+            <a:tailEnd type="arrow"/>
+          </a:ln>
+        </p:spPr>
+        <p:style>
+          <a:lnRef idx="2">
+            <a:schemeClr val="dk1"/>
+          </a:lnRef>
+          <a:fillRef idx="0">
+            <a:schemeClr val="dk1"/>
+          </a:fillRef>
+          <a:effectRef idx="1">
+            <a:schemeClr val="dk1"/>
+          </a:effectRef>
+          <a:fontRef idx="minor">
+            <a:schemeClr val="tx1"/>
+          </a:fontRef>
+        </p:style>
+      </p:cxnSp>
+      <p:cxnSp>
+        <p:nvCxnSpPr>
+          <p:cNvPr id="38" name="Elbow Connector 37"/>
+          <p:cNvCxnSpPr>
+            <a:stCxn id="48" idx="1"/>
+            <a:endCxn id="8" idx="0"/>
+          </p:cNvCxnSpPr>
+          <p:nvPr/>
+        </p:nvCxnSpPr>
+        <p:spPr>
+          <a:xfrm rot="10800000" flipV="1">
+            <a:off x="1512570" y="2533649"/>
+            <a:ext cx="2068830" cy="180975"/>
+          </a:xfrm>
+          <a:prstGeom prst="bentConnector2">
+            <a:avLst/>
+          </a:prstGeom>
+          <a:ln>
+            <a:tailEnd type="arrow"/>
+          </a:ln>
+        </p:spPr>
+        <p:style>
+          <a:lnRef idx="2">
+            <a:schemeClr val="dk1"/>
+          </a:lnRef>
+          <a:fillRef idx="0">
+            <a:schemeClr val="dk1"/>
+          </a:fillRef>
+          <a:effectRef idx="1">
+            <a:schemeClr val="dk1"/>
+          </a:effectRef>
+          <a:fontRef idx="minor">
+            <a:schemeClr val="tx1"/>
+          </a:fontRef>
+        </p:style>
+      </p:cxnSp>
+      <p:cxnSp>
+        <p:nvCxnSpPr>
+          <p:cNvPr id="40" name="Elbow Connector 39"/>
+          <p:cNvCxnSpPr>
+            <a:stCxn id="48" idx="3"/>
+            <a:endCxn id="11" idx="0"/>
+          </p:cNvCxnSpPr>
+          <p:nvPr/>
+        </p:nvCxnSpPr>
+        <p:spPr>
+          <a:xfrm>
+            <a:off x="4952998" y="2533650"/>
+            <a:ext cx="2057401" cy="180975"/>
+          </a:xfrm>
+          <a:prstGeom prst="bentConnector2">
             <a:avLst/>
           </a:prstGeom>
           <a:ln>
@@ -17894,11 +17999,6 @@
               </a:rPr>
               <a:t>Employee</a:t>
             </a:r>
-            <a:endParaRPr lang="en-US" sz="1200" dirty="0" smtClean="0">
-              <a:solidFill>
-                <a:schemeClr val="tx1"/>
-              </a:solidFill>
-            </a:endParaRPr>
           </a:p>
         </p:txBody>
       </p:sp>
@@ -17952,11 +18052,6 @@
               </a:rPr>
               <a:t>Schedule</a:t>
             </a:r>
-            <a:endParaRPr lang="en-US" sz="1200" dirty="0" smtClean="0">
-              <a:solidFill>
-                <a:schemeClr val="tx1"/>
-              </a:solidFill>
-            </a:endParaRPr>
           </a:p>
         </p:txBody>
       </p:sp>
@@ -18010,11 +18105,6 @@
               </a:rPr>
               <a:t>Employee Schedule</a:t>
             </a:r>
-            <a:endParaRPr lang="en-US" sz="1200" dirty="0" smtClean="0">
-              <a:solidFill>
-                <a:schemeClr val="tx1"/>
-              </a:solidFill>
-            </a:endParaRPr>
           </a:p>
         </p:txBody>
       </p:sp>
@@ -18140,11 +18230,6 @@
               </a:rPr>
               <a:t>Absence</a:t>
             </a:r>
-            <a:endParaRPr lang="en-US" sz="1200" dirty="0" smtClean="0">
-              <a:solidFill>
-                <a:schemeClr val="tx1"/>
-              </a:solidFill>
-            </a:endParaRPr>
           </a:p>
         </p:txBody>
       </p:sp>
@@ -18234,11 +18319,6 @@
               </a:rPr>
               <a:t>Via Absence Engine (custom)</a:t>
             </a:r>
-            <a:endParaRPr lang="en-US" sz="1200" dirty="0" smtClean="0">
-              <a:solidFill>
-                <a:schemeClr val="tx1"/>
-              </a:solidFill>
-            </a:endParaRPr>
           </a:p>
         </p:txBody>
       </p:sp>
@@ -18328,11 +18408,6 @@
               </a:rPr>
               <a:t>Payroll</a:t>
             </a:r>
-            <a:endParaRPr lang="en-US" sz="1200" dirty="0" smtClean="0">
-              <a:solidFill>
-                <a:schemeClr val="tx1"/>
-              </a:solidFill>
-            </a:endParaRPr>
           </a:p>
         </p:txBody>
       </p:sp>
@@ -18422,11 +18497,6 @@
               </a:rPr>
               <a:t>Sickness Transaction</a:t>
             </a:r>
-            <a:endParaRPr lang="en-US" sz="1200" dirty="0" smtClean="0">
-              <a:solidFill>
-                <a:schemeClr val="tx1"/>
-              </a:solidFill>
-            </a:endParaRPr>
           </a:p>
         </p:txBody>
       </p:sp>
@@ -18488,11 +18558,6 @@
               </a:rPr>
               <a:t> Transaction</a:t>
             </a:r>
-            <a:endParaRPr lang="en-US" sz="1200" dirty="0" smtClean="0">
-              <a:solidFill>
-                <a:schemeClr val="tx1"/>
-              </a:solidFill>
-            </a:endParaRPr>
           </a:p>
         </p:txBody>
       </p:sp>
@@ -18618,11 +18683,6 @@
               </a:rPr>
               <a:t>Overtime Transaction</a:t>
             </a:r>
-            <a:endParaRPr lang="en-US" sz="1200" dirty="0" smtClean="0">
-              <a:solidFill>
-                <a:schemeClr val="tx1"/>
-              </a:solidFill>
-            </a:endParaRPr>
           </a:p>
         </p:txBody>
       </p:sp>
@@ -18978,11 +19038,6 @@
               </a:rPr>
               <a:t>Employee</a:t>
             </a:r>
-            <a:endParaRPr lang="en-US" sz="1200" dirty="0" smtClean="0">
-              <a:solidFill>
-                <a:schemeClr val="tx1"/>
-              </a:solidFill>
-            </a:endParaRPr>
           </a:p>
         </p:txBody>
       </p:sp>
@@ -19036,11 +19091,6 @@
               </a:rPr>
               <a:t>Payroll Process</a:t>
             </a:r>
-            <a:endParaRPr lang="en-US" sz="1200" dirty="0" smtClean="0">
-              <a:solidFill>
-                <a:schemeClr val="tx1"/>
-              </a:solidFill>
-            </a:endParaRPr>
           </a:p>
         </p:txBody>
       </p:sp>
@@ -19094,11 +19144,6 @@
               </a:rPr>
               <a:t>Employee Benefit</a:t>
             </a:r>
-            <a:endParaRPr lang="en-US" sz="1200" dirty="0" smtClean="0">
-              <a:solidFill>
-                <a:schemeClr val="tx1"/>
-              </a:solidFill>
-            </a:endParaRPr>
           </a:p>
         </p:txBody>
       </p:sp>
@@ -19708,11 +19753,6 @@
               </a:rPr>
               <a:t> Group</a:t>
             </a:r>
-            <a:endParaRPr lang="en-US" sz="1200" dirty="0" smtClean="0">
-              <a:solidFill>
-                <a:schemeClr val="tx1"/>
-              </a:solidFill>
-            </a:endParaRPr>
           </a:p>
         </p:txBody>
       </p:sp>
@@ -19841,11 +19881,6 @@
               </a:rPr>
               <a:t> Group</a:t>
             </a:r>
-            <a:endParaRPr lang="en-US" sz="1200" dirty="0" smtClean="0">
-              <a:solidFill>
-                <a:schemeClr val="tx1"/>
-              </a:solidFill>
-            </a:endParaRPr>
           </a:p>
         </p:txBody>
       </p:sp>
@@ -19927,11 +19962,6 @@
               </a:rPr>
               <a:t>User: admin, password: qwerty</a:t>
             </a:r>
-            <a:endParaRPr lang="en-US" sz="1200" dirty="0" smtClean="0">
-              <a:solidFill>
-                <a:schemeClr val="tx1"/>
-              </a:solidFill>
-            </a:endParaRPr>
           </a:p>
         </p:txBody>
       </p:sp>
@@ -19996,11 +20026,6 @@
               </a:rPr>
               <a:t>http://erp.mozy.co.id</a:t>
             </a:r>
-            <a:endParaRPr lang="en-US" sz="1200" dirty="0" smtClean="0">
-              <a:solidFill>
-                <a:schemeClr val="tx1"/>
-              </a:solidFill>
-            </a:endParaRPr>
           </a:p>
           <a:p>
             <a:pPr algn="ctr"/>
@@ -20028,11 +20053,6 @@
               </a:rPr>
               <a:t>, password: demo</a:t>
             </a:r>
-            <a:endParaRPr lang="en-US" sz="1200" dirty="0" smtClean="0">
-              <a:solidFill>
-                <a:schemeClr val="tx1"/>
-              </a:solidFill>
-            </a:endParaRPr>
           </a:p>
         </p:txBody>
       </p:sp>
@@ -20129,11 +20149,6 @@
               </a:rPr>
               <a:t> PHP Framework Indonesia, PHP Indonesia</a:t>
             </a:r>
-            <a:endParaRPr lang="en-US" sz="1200" dirty="0" smtClean="0">
-              <a:solidFill>
-                <a:schemeClr val="tx1"/>
-              </a:solidFill>
-            </a:endParaRPr>
           </a:p>
         </p:txBody>
       </p:sp>
@@ -20392,7 +20407,7 @@
               <a:t> </a:t>
             </a:r>
             <a:r>
-              <a:rPr lang="en-US" sz="2800" dirty="0" err="1">
+              <a:rPr lang="en-US" sz="2800" dirty="0" err="1" smtClean="0">
                 <a:solidFill>
                   <a:schemeClr val="tx1"/>
                 </a:solidFill>
@@ -20400,13 +20415,138 @@
               <a:t>institusi</a:t>
             </a:r>
             <a:r>
-              <a:rPr lang="en-US" sz="2800" dirty="0">
-                <a:solidFill>
-                  <a:schemeClr val="tx1"/>
-                </a:solidFill>
-              </a:rPr>
-              <a:t>.</a:t>
-            </a:r>
+              <a:rPr lang="en-US" sz="2800" dirty="0" smtClean="0">
+                <a:solidFill>
+                  <a:schemeClr val="tx1"/>
+                </a:solidFill>
+              </a:rPr>
+              <a:t>, </a:t>
+            </a:r>
+            <a:r>
+              <a:rPr lang="en-US" sz="2800" dirty="0" err="1" smtClean="0">
+                <a:solidFill>
+                  <a:schemeClr val="tx1"/>
+                </a:solidFill>
+              </a:rPr>
+              <a:t>baik</a:t>
+            </a:r>
+            <a:r>
+              <a:rPr lang="en-US" sz="2800" dirty="0" smtClean="0">
+                <a:solidFill>
+                  <a:schemeClr val="tx1"/>
+                </a:solidFill>
+              </a:rPr>
+              <a:t> </a:t>
+            </a:r>
+            <a:r>
+              <a:rPr lang="en-US" sz="2800" dirty="0" err="1" smtClean="0">
+                <a:solidFill>
+                  <a:schemeClr val="tx1"/>
+                </a:solidFill>
+              </a:rPr>
+              <a:t>itu</a:t>
+            </a:r>
+            <a:r>
+              <a:rPr lang="en-US" sz="2800" dirty="0" smtClean="0">
+                <a:solidFill>
+                  <a:schemeClr val="tx1"/>
+                </a:solidFill>
+              </a:rPr>
+              <a:t> </a:t>
+            </a:r>
+            <a:r>
+              <a:rPr lang="en-US" sz="2800" dirty="0" err="1" smtClean="0">
+                <a:solidFill>
+                  <a:schemeClr val="tx1"/>
+                </a:solidFill>
+              </a:rPr>
+              <a:t>perusahaan</a:t>
+            </a:r>
+            <a:r>
+              <a:rPr lang="en-US" sz="2800" dirty="0" smtClean="0">
+                <a:solidFill>
+                  <a:schemeClr val="tx1"/>
+                </a:solidFill>
+              </a:rPr>
+              <a:t>, </a:t>
+            </a:r>
+            <a:r>
+              <a:rPr lang="en-US" sz="2800" dirty="0" err="1" smtClean="0">
+                <a:solidFill>
+                  <a:schemeClr val="tx1"/>
+                </a:solidFill>
+              </a:rPr>
+              <a:t>sekolah</a:t>
+            </a:r>
+            <a:r>
+              <a:rPr lang="en-US" sz="2800" dirty="0" smtClean="0">
+                <a:solidFill>
+                  <a:schemeClr val="tx1"/>
+                </a:solidFill>
+              </a:rPr>
+              <a:t>, </a:t>
+            </a:r>
+            <a:r>
+              <a:rPr lang="en-US" sz="2800" dirty="0" err="1" smtClean="0">
+                <a:solidFill>
+                  <a:schemeClr val="tx1"/>
+                </a:solidFill>
+              </a:rPr>
+              <a:t>toko</a:t>
+            </a:r>
+            <a:r>
+              <a:rPr lang="en-US" sz="2800" dirty="0" smtClean="0">
+                <a:solidFill>
+                  <a:schemeClr val="tx1"/>
+                </a:solidFill>
+              </a:rPr>
+              <a:t>, </a:t>
+            </a:r>
+            <a:r>
+              <a:rPr lang="en-US" sz="2800" dirty="0" err="1" smtClean="0">
+                <a:solidFill>
+                  <a:schemeClr val="tx1"/>
+                </a:solidFill>
+              </a:rPr>
+              <a:t>bengkel</a:t>
+            </a:r>
+            <a:r>
+              <a:rPr lang="en-US" sz="2800" dirty="0" smtClean="0">
+                <a:solidFill>
+                  <a:schemeClr val="tx1"/>
+                </a:solidFill>
+              </a:rPr>
+              <a:t> </a:t>
+            </a:r>
+            <a:r>
+              <a:rPr lang="en-US" sz="2800" dirty="0" err="1" smtClean="0">
+                <a:solidFill>
+                  <a:schemeClr val="tx1"/>
+                </a:solidFill>
+              </a:rPr>
+              <a:t>dan</a:t>
+            </a:r>
+            <a:r>
+              <a:rPr lang="en-US" sz="2800" dirty="0" smtClean="0">
+                <a:solidFill>
+                  <a:schemeClr val="tx1"/>
+                </a:solidFill>
+              </a:rPr>
+              <a:t> </a:t>
+            </a:r>
+            <a:r>
+              <a:rPr lang="en-US" sz="2800" dirty="0" err="1" smtClean="0">
+                <a:solidFill>
+                  <a:schemeClr val="tx1"/>
+                </a:solidFill>
+              </a:rPr>
+              <a:t>lainnya</a:t>
+            </a:r>
+            <a:endParaRPr lang="en-US" sz="2800" dirty="0">
+              <a:solidFill>
+                <a:schemeClr val="tx1"/>
+              </a:solidFill>
+            </a:endParaRPr>
           </a:p>
         </p:txBody>
       </p:sp>
@@ -20556,7 +20696,7 @@
         <p:spPr>
           <a:xfrm>
             <a:off x="990600" y="2438400"/>
-            <a:ext cx="4831772" cy="769441"/>
+            <a:ext cx="6987810" cy="769441"/>
           </a:xfrm>
           <a:prstGeom prst="rect">
             <a:avLst/>
@@ -20569,37 +20709,30 @@
           <a:lstStyle/>
           <a:p>
             <a:r>
-              <a:rPr lang="en-US" sz="4400" dirty="0" err="1"/>
+              <a:rPr lang="en-US" sz="4400" dirty="0" err="1" smtClean="0"/>
               <a:t>Apa</a:t>
             </a:r>
             <a:r>
-              <a:rPr lang="en-US" sz="4400" dirty="0"/>
+              <a:rPr lang="en-US" sz="4400" dirty="0" smtClean="0"/>
+              <a:t> yang </a:t>
+            </a:r>
+            <a:r>
+              <a:rPr lang="en-US" sz="4400" dirty="0" err="1" smtClean="0"/>
+              <a:t>dimaksud</a:t>
+            </a:r>
+            <a:r>
+              <a:rPr lang="en-US" sz="4400" dirty="0" smtClean="0"/>
               <a:t> </a:t>
             </a:r>
             <a:r>
-              <a:rPr lang="en-US" sz="4400" dirty="0" err="1"/>
-              <a:t>sih</a:t>
-            </a:r>
-            <a:r>
-              <a:rPr lang="en-US" sz="4400" dirty="0"/>
-              <a:t> </a:t>
-            </a:r>
-            <a:r>
-              <a:rPr lang="en-US" sz="4400" dirty="0" err="1"/>
+              <a:rPr lang="en-US" sz="4400" dirty="0" err="1" smtClean="0"/>
               <a:t>Capella</a:t>
             </a:r>
             <a:r>
-              <a:rPr lang="en-US" sz="4400" dirty="0"/>
-              <a:t> </a:t>
-            </a:r>
-            <a:r>
-              <a:rPr lang="en-US" sz="4400" dirty="0" err="1"/>
-              <a:t>itu</a:t>
-            </a:r>
-            <a:r>
-              <a:rPr lang="en-US" sz="4400" dirty="0"/>
+              <a:rPr lang="en-US" sz="4400" dirty="0" smtClean="0"/>
               <a:t> ?</a:t>
             </a:r>
+            <a:endParaRPr lang="en-US" sz="4400" dirty="0"/>
           </a:p>
         </p:txBody>
       </p:sp>
@@ -20708,7 +20841,7 @@
         </p:nvSpPr>
         <p:spPr>
           <a:xfrm>
-            <a:off x="304803" y="1981200"/>
+            <a:off x="304803" y="2286000"/>
             <a:ext cx="8381997" cy="4154984"/>
           </a:xfrm>
           <a:prstGeom prst="rect">
@@ -21583,8 +21716,8 @@
         </p:nvSpPr>
         <p:spPr>
           <a:xfrm>
-            <a:off x="381001" y="2590800"/>
-            <a:ext cx="8381998" cy="2308324"/>
+            <a:off x="381001" y="1983403"/>
+            <a:ext cx="8381998" cy="4893647"/>
           </a:xfrm>
           <a:prstGeom prst="rect">
             <a:avLst/>
@@ -21601,41 +21734,41 @@
               <a:buChar char="v"/>
             </a:pPr>
             <a:r>
-              <a:rPr lang="nn-NO" dirty="0">
+              <a:rPr lang="nn-NO" sz="2400" dirty="0">
                 <a:latin typeface="Aharoni" pitchFamily="2" charset="-79"/>
                 <a:cs typeface="Aharoni" pitchFamily="2" charset="-79"/>
               </a:rPr>
               <a:t>Transparansi data, karena menggunakan satu </a:t>
             </a:r>
             <a:r>
-              <a:rPr lang="nn-NO" dirty="0" smtClean="0">
+              <a:rPr lang="nn-NO" sz="2400" dirty="0" smtClean="0">
                 <a:latin typeface="Aharoni" pitchFamily="2" charset="-79"/>
                 <a:cs typeface="Aharoni" pitchFamily="2" charset="-79"/>
               </a:rPr>
               <a:t>sumber </a:t>
             </a:r>
             <a:r>
-              <a:rPr lang="en-US" dirty="0" smtClean="0">
+              <a:rPr lang="en-US" sz="2400" dirty="0" smtClean="0">
                 <a:latin typeface="Aharoni" pitchFamily="2" charset="-79"/>
                 <a:cs typeface="Aharoni" pitchFamily="2" charset="-79"/>
               </a:rPr>
               <a:t>data </a:t>
             </a:r>
             <a:r>
-              <a:rPr lang="en-US" dirty="0">
+              <a:rPr lang="en-US" sz="2400" dirty="0">
                 <a:latin typeface="Aharoni" pitchFamily="2" charset="-79"/>
                 <a:cs typeface="Aharoni" pitchFamily="2" charset="-79"/>
               </a:rPr>
               <a:t>yang </a:t>
             </a:r>
             <a:r>
-              <a:rPr lang="en-US" dirty="0" err="1" smtClean="0">
+              <a:rPr lang="en-US" sz="2400" dirty="0" err="1" smtClean="0">
                 <a:latin typeface="Aharoni" pitchFamily="2" charset="-79"/>
                 <a:cs typeface="Aharoni" pitchFamily="2" charset="-79"/>
               </a:rPr>
               <a:t>sama</a:t>
             </a:r>
-            <a:endParaRPr lang="en-US" dirty="0" smtClean="0">
+            <a:endParaRPr lang="en-US" sz="2400" dirty="0" smtClean="0">
               <a:latin typeface="Aharoni" pitchFamily="2" charset="-79"/>
               <a:cs typeface="Aharoni" pitchFamily="2" charset="-79"/>
             </a:endParaRPr>
@@ -21646,21 +21779,21 @@
               <a:buChar char="v"/>
             </a:pPr>
             <a:r>
-              <a:rPr lang="it-IT" dirty="0">
+              <a:rPr lang="it-IT" sz="2400" dirty="0">
                 <a:latin typeface="Aharoni" pitchFamily="2" charset="-79"/>
                 <a:cs typeface="Aharoni" pitchFamily="2" charset="-79"/>
               </a:rPr>
               <a:t>Menggunakan sistem multi currency, multi language, </a:t>
             </a:r>
             <a:r>
-              <a:rPr lang="it-IT" dirty="0" smtClean="0">
+              <a:rPr lang="it-IT" sz="2400" dirty="0" smtClean="0">
                 <a:latin typeface="Aharoni" pitchFamily="2" charset="-79"/>
                 <a:cs typeface="Aharoni" pitchFamily="2" charset="-79"/>
               </a:rPr>
               <a:t>multi </a:t>
             </a:r>
             <a:r>
-              <a:rPr lang="en-US" dirty="0" smtClean="0">
+              <a:rPr lang="en-US" sz="2400" dirty="0" smtClean="0">
                 <a:latin typeface="Aharoni" pitchFamily="2" charset="-79"/>
                 <a:cs typeface="Aharoni" pitchFamily="2" charset="-79"/>
               </a:rPr>
@@ -21673,98 +21806,98 @@
               <a:buChar char="v"/>
             </a:pPr>
             <a:r>
-              <a:rPr lang="en-US" dirty="0" err="1">
+              <a:rPr lang="en-US" sz="2400" dirty="0" err="1">
                 <a:latin typeface="Aharoni" pitchFamily="2" charset="-79"/>
                 <a:cs typeface="Aharoni" pitchFamily="2" charset="-79"/>
               </a:rPr>
               <a:t>Dapat</a:t>
             </a:r>
             <a:r>
-              <a:rPr lang="en-US" dirty="0">
+              <a:rPr lang="en-US" sz="2400" dirty="0">
                 <a:latin typeface="Aharoni" pitchFamily="2" charset="-79"/>
                 <a:cs typeface="Aharoni" pitchFamily="2" charset="-79"/>
               </a:rPr>
               <a:t> </a:t>
             </a:r>
             <a:r>
-              <a:rPr lang="en-US" dirty="0" err="1">
+              <a:rPr lang="en-US" sz="2400" dirty="0" err="1">
                 <a:latin typeface="Aharoni" pitchFamily="2" charset="-79"/>
                 <a:cs typeface="Aharoni" pitchFamily="2" charset="-79"/>
               </a:rPr>
               <a:t>dicustomize</a:t>
             </a:r>
             <a:r>
-              <a:rPr lang="en-US" dirty="0">
+              <a:rPr lang="en-US" sz="2400" dirty="0">
                 <a:latin typeface="Aharoni" pitchFamily="2" charset="-79"/>
                 <a:cs typeface="Aharoni" pitchFamily="2" charset="-79"/>
               </a:rPr>
               <a:t> </a:t>
             </a:r>
             <a:r>
-              <a:rPr lang="en-US" dirty="0" err="1">
+              <a:rPr lang="en-US" sz="2400" dirty="0" err="1">
                 <a:latin typeface="Aharoni" pitchFamily="2" charset="-79"/>
                 <a:cs typeface="Aharoni" pitchFamily="2" charset="-79"/>
               </a:rPr>
               <a:t>dengan</a:t>
             </a:r>
             <a:r>
-              <a:rPr lang="en-US" dirty="0">
+              <a:rPr lang="en-US" sz="2400" dirty="0">
                 <a:latin typeface="Aharoni" pitchFamily="2" charset="-79"/>
                 <a:cs typeface="Aharoni" pitchFamily="2" charset="-79"/>
               </a:rPr>
               <a:t> </a:t>
             </a:r>
             <a:r>
-              <a:rPr lang="en-US" dirty="0" err="1">
+              <a:rPr lang="en-US" sz="2400" dirty="0" err="1">
                 <a:latin typeface="Aharoni" pitchFamily="2" charset="-79"/>
                 <a:cs typeface="Aharoni" pitchFamily="2" charset="-79"/>
               </a:rPr>
               <a:t>mudah</a:t>
             </a:r>
             <a:r>
-              <a:rPr lang="en-US" dirty="0">
+              <a:rPr lang="en-US" sz="2400" dirty="0">
                 <a:latin typeface="Aharoni" pitchFamily="2" charset="-79"/>
                 <a:cs typeface="Aharoni" pitchFamily="2" charset="-79"/>
               </a:rPr>
               <a:t>, </a:t>
             </a:r>
             <a:r>
-              <a:rPr lang="en-US" dirty="0" err="1">
+              <a:rPr lang="en-US" sz="2400" dirty="0" err="1">
                 <a:latin typeface="Aharoni" pitchFamily="2" charset="-79"/>
                 <a:cs typeface="Aharoni" pitchFamily="2" charset="-79"/>
               </a:rPr>
               <a:t>karena</a:t>
             </a:r>
             <a:r>
-              <a:rPr lang="en-US" dirty="0">
+              <a:rPr lang="en-US" sz="2400" dirty="0">
                 <a:latin typeface="Aharoni" pitchFamily="2" charset="-79"/>
                 <a:cs typeface="Aharoni" pitchFamily="2" charset="-79"/>
               </a:rPr>
               <a:t> </a:t>
             </a:r>
             <a:r>
-              <a:rPr lang="en-US" dirty="0" err="1">
+              <a:rPr lang="en-US" sz="2400" dirty="0" err="1">
                 <a:latin typeface="Aharoni" pitchFamily="2" charset="-79"/>
                 <a:cs typeface="Aharoni" pitchFamily="2" charset="-79"/>
               </a:rPr>
               <a:t>didesain</a:t>
             </a:r>
             <a:r>
-              <a:rPr lang="en-US" dirty="0">
+              <a:rPr lang="en-US" sz="2400" dirty="0">
                 <a:latin typeface="Aharoni" pitchFamily="2" charset="-79"/>
                 <a:cs typeface="Aharoni" pitchFamily="2" charset="-79"/>
               </a:rPr>
               <a:t> </a:t>
             </a:r>
             <a:r>
-              <a:rPr lang="en-US" dirty="0" err="1" smtClean="0">
+              <a:rPr lang="en-US" sz="2400" dirty="0" err="1" smtClean="0">
                 <a:latin typeface="Aharoni" pitchFamily="2" charset="-79"/>
                 <a:cs typeface="Aharoni" pitchFamily="2" charset="-79"/>
               </a:rPr>
               <a:t>secara</a:t>
             </a:r>
             <a:r>
-              <a:rPr lang="en-US" dirty="0" smtClean="0">
+              <a:rPr lang="en-US" sz="2400" dirty="0" smtClean="0">
                 <a:latin typeface="Aharoni" pitchFamily="2" charset="-79"/>
                 <a:cs typeface="Aharoni" pitchFamily="2" charset="-79"/>
               </a:rPr>
@@ -21777,111 +21910,111 @@
               <a:buChar char="v"/>
             </a:pPr>
             <a:r>
-              <a:rPr lang="en-US" dirty="0" err="1">
+              <a:rPr lang="en-US" sz="2400" dirty="0" err="1">
                 <a:latin typeface="Aharoni" pitchFamily="2" charset="-79"/>
                 <a:cs typeface="Aharoni" pitchFamily="2" charset="-79"/>
               </a:rPr>
               <a:t>Menggunakan</a:t>
             </a:r>
             <a:r>
-              <a:rPr lang="en-US" dirty="0">
+              <a:rPr lang="en-US" sz="2400" dirty="0">
                 <a:latin typeface="Aharoni" pitchFamily="2" charset="-79"/>
                 <a:cs typeface="Aharoni" pitchFamily="2" charset="-79"/>
               </a:rPr>
               <a:t> </a:t>
             </a:r>
             <a:r>
-              <a:rPr lang="en-US" dirty="0" err="1">
+              <a:rPr lang="en-US" sz="2400" dirty="0" err="1">
                 <a:latin typeface="Aharoni" pitchFamily="2" charset="-79"/>
                 <a:cs typeface="Aharoni" pitchFamily="2" charset="-79"/>
               </a:rPr>
               <a:t>konsep</a:t>
             </a:r>
             <a:r>
-              <a:rPr lang="en-US" dirty="0">
+              <a:rPr lang="en-US" sz="2400" dirty="0">
                 <a:latin typeface="Aharoni" pitchFamily="2" charset="-79"/>
                 <a:cs typeface="Aharoni" pitchFamily="2" charset="-79"/>
               </a:rPr>
               <a:t> web based </a:t>
             </a:r>
             <a:r>
-              <a:rPr lang="en-US" dirty="0" err="1">
+              <a:rPr lang="en-US" sz="2400" dirty="0" err="1">
                 <a:latin typeface="Aharoni" pitchFamily="2" charset="-79"/>
                 <a:cs typeface="Aharoni" pitchFamily="2" charset="-79"/>
               </a:rPr>
               <a:t>dan</a:t>
             </a:r>
             <a:r>
-              <a:rPr lang="en-US" dirty="0">
+              <a:rPr lang="en-US" sz="2400" dirty="0">
                 <a:latin typeface="Aharoni" pitchFamily="2" charset="-79"/>
                 <a:cs typeface="Aharoni" pitchFamily="2" charset="-79"/>
               </a:rPr>
               <a:t> common </a:t>
             </a:r>
             <a:r>
-              <a:rPr lang="en-US" dirty="0" smtClean="0">
+              <a:rPr lang="en-US" sz="2400" dirty="0" smtClean="0">
                 <a:latin typeface="Aharoni" pitchFamily="2" charset="-79"/>
                 <a:cs typeface="Aharoni" pitchFamily="2" charset="-79"/>
               </a:rPr>
               <a:t>user interface</a:t>
             </a:r>
             <a:r>
-              <a:rPr lang="en-US" dirty="0">
+              <a:rPr lang="en-US" sz="2400" dirty="0">
                 <a:latin typeface="Aharoni" pitchFamily="2" charset="-79"/>
                 <a:cs typeface="Aharoni" pitchFamily="2" charset="-79"/>
               </a:rPr>
               <a:t>, </a:t>
             </a:r>
             <a:r>
-              <a:rPr lang="en-US" dirty="0" err="1">
+              <a:rPr lang="en-US" sz="2400" dirty="0" err="1">
                 <a:latin typeface="Aharoni" pitchFamily="2" charset="-79"/>
                 <a:cs typeface="Aharoni" pitchFamily="2" charset="-79"/>
               </a:rPr>
               <a:t>memudahkan</a:t>
             </a:r>
             <a:r>
-              <a:rPr lang="en-US" dirty="0">
+              <a:rPr lang="en-US" sz="2400" dirty="0">
                 <a:latin typeface="Aharoni" pitchFamily="2" charset="-79"/>
                 <a:cs typeface="Aharoni" pitchFamily="2" charset="-79"/>
               </a:rPr>
               <a:t> user </a:t>
             </a:r>
             <a:r>
-              <a:rPr lang="en-US" dirty="0" err="1">
+              <a:rPr lang="en-US" sz="2400" dirty="0" err="1">
                 <a:latin typeface="Aharoni" pitchFamily="2" charset="-79"/>
                 <a:cs typeface="Aharoni" pitchFamily="2" charset="-79"/>
               </a:rPr>
               <a:t>mempelajari</a:t>
             </a:r>
             <a:r>
-              <a:rPr lang="en-US" dirty="0">
+              <a:rPr lang="en-US" sz="2400" dirty="0">
                 <a:latin typeface="Aharoni" pitchFamily="2" charset="-79"/>
                 <a:cs typeface="Aharoni" pitchFamily="2" charset="-79"/>
               </a:rPr>
               <a:t> </a:t>
             </a:r>
             <a:r>
-              <a:rPr lang="en-US" dirty="0" err="1">
+              <a:rPr lang="en-US" sz="2400" dirty="0" err="1">
                 <a:latin typeface="Aharoni" pitchFamily="2" charset="-79"/>
                 <a:cs typeface="Aharoni" pitchFamily="2" charset="-79"/>
               </a:rPr>
               <a:t>modul</a:t>
             </a:r>
             <a:r>
-              <a:rPr lang="en-US" dirty="0">
+              <a:rPr lang="en-US" sz="2400" dirty="0">
                 <a:latin typeface="Aharoni" pitchFamily="2" charset="-79"/>
                 <a:cs typeface="Aharoni" pitchFamily="2" charset="-79"/>
               </a:rPr>
               <a:t> yang </a:t>
             </a:r>
             <a:r>
-              <a:rPr lang="en-US" dirty="0" err="1" smtClean="0">
+              <a:rPr lang="en-US" sz="2400" dirty="0" err="1" smtClean="0">
                 <a:latin typeface="Aharoni" pitchFamily="2" charset="-79"/>
                 <a:cs typeface="Aharoni" pitchFamily="2" charset="-79"/>
               </a:rPr>
               <a:t>ada</a:t>
             </a:r>
-            <a:endParaRPr lang="en-US" dirty="0" smtClean="0">
+            <a:endParaRPr lang="en-US" sz="2400" dirty="0" smtClean="0">
               <a:latin typeface="Aharoni" pitchFamily="2" charset="-79"/>
               <a:cs typeface="Aharoni" pitchFamily="2" charset="-79"/>
             </a:endParaRPr>
@@ -21892,119 +22025,119 @@
               <a:buChar char="v"/>
             </a:pPr>
             <a:r>
-              <a:rPr lang="en-US" dirty="0" err="1">
+              <a:rPr lang="en-US" sz="2400" dirty="0" err="1">
                 <a:latin typeface="Aharoni" pitchFamily="2" charset="-79"/>
                 <a:cs typeface="Aharoni" pitchFamily="2" charset="-79"/>
               </a:rPr>
               <a:t>Bebas</a:t>
             </a:r>
             <a:r>
-              <a:rPr lang="en-US" dirty="0">
+              <a:rPr lang="en-US" sz="2400" dirty="0">
                 <a:latin typeface="Aharoni" pitchFamily="2" charset="-79"/>
                 <a:cs typeface="Aharoni" pitchFamily="2" charset="-79"/>
               </a:rPr>
               <a:t> </a:t>
             </a:r>
             <a:r>
-              <a:rPr lang="en-US" dirty="0" err="1">
+              <a:rPr lang="en-US" sz="2400" dirty="0" err="1">
                 <a:latin typeface="Aharoni" pitchFamily="2" charset="-79"/>
                 <a:cs typeface="Aharoni" pitchFamily="2" charset="-79"/>
               </a:rPr>
               <a:t>jumlah</a:t>
             </a:r>
             <a:r>
-              <a:rPr lang="en-US" dirty="0">
+              <a:rPr lang="en-US" sz="2400" dirty="0">
                 <a:latin typeface="Aharoni" pitchFamily="2" charset="-79"/>
                 <a:cs typeface="Aharoni" pitchFamily="2" charset="-79"/>
               </a:rPr>
               <a:t> User yang </a:t>
             </a:r>
             <a:r>
-              <a:rPr lang="en-US" dirty="0" err="1">
+              <a:rPr lang="en-US" sz="2400" dirty="0" err="1">
                 <a:latin typeface="Aharoni" pitchFamily="2" charset="-79"/>
                 <a:cs typeface="Aharoni" pitchFamily="2" charset="-79"/>
               </a:rPr>
               <a:t>didaftarkan</a:t>
             </a:r>
             <a:r>
-              <a:rPr lang="en-US" dirty="0">
+              <a:rPr lang="en-US" sz="2400" dirty="0">
                 <a:latin typeface="Aharoni" pitchFamily="2" charset="-79"/>
                 <a:cs typeface="Aharoni" pitchFamily="2" charset="-79"/>
               </a:rPr>
               <a:t> </a:t>
             </a:r>
             <a:r>
-              <a:rPr lang="en-US" dirty="0" err="1">
+              <a:rPr lang="en-US" sz="2400" dirty="0" err="1">
                 <a:latin typeface="Aharoni" pitchFamily="2" charset="-79"/>
                 <a:cs typeface="Aharoni" pitchFamily="2" charset="-79"/>
               </a:rPr>
               <a:t>dan</a:t>
             </a:r>
             <a:r>
-              <a:rPr lang="en-US" dirty="0">
+              <a:rPr lang="en-US" sz="2400" dirty="0">
                 <a:latin typeface="Aharoni" pitchFamily="2" charset="-79"/>
                 <a:cs typeface="Aharoni" pitchFamily="2" charset="-79"/>
               </a:rPr>
               <a:t> </a:t>
             </a:r>
             <a:r>
-              <a:rPr lang="en-US" dirty="0" err="1">
+              <a:rPr lang="en-US" sz="2400" dirty="0" err="1">
                 <a:latin typeface="Aharoni" pitchFamily="2" charset="-79"/>
                 <a:cs typeface="Aharoni" pitchFamily="2" charset="-79"/>
               </a:rPr>
               <a:t>jumlah</a:t>
             </a:r>
             <a:r>
-              <a:rPr lang="en-US" dirty="0">
+              <a:rPr lang="en-US" sz="2400" dirty="0">
                 <a:latin typeface="Aharoni" pitchFamily="2" charset="-79"/>
                 <a:cs typeface="Aharoni" pitchFamily="2" charset="-79"/>
               </a:rPr>
               <a:t> </a:t>
             </a:r>
             <a:r>
-              <a:rPr lang="en-US" dirty="0" err="1" smtClean="0">
+              <a:rPr lang="en-US" sz="2400" dirty="0" err="1" smtClean="0">
                 <a:latin typeface="Aharoni" pitchFamily="2" charset="-79"/>
                 <a:cs typeface="Aharoni" pitchFamily="2" charset="-79"/>
               </a:rPr>
               <a:t>karyawan</a:t>
             </a:r>
             <a:r>
-              <a:rPr lang="en-US" dirty="0" smtClean="0">
+              <a:rPr lang="en-US" sz="2400" dirty="0" smtClean="0">
                 <a:latin typeface="Aharoni" pitchFamily="2" charset="-79"/>
                 <a:cs typeface="Aharoni" pitchFamily="2" charset="-79"/>
               </a:rPr>
               <a:t> yang </a:t>
             </a:r>
             <a:r>
-              <a:rPr lang="en-US" dirty="0" err="1">
+              <a:rPr lang="en-US" sz="2400" dirty="0" err="1">
                 <a:latin typeface="Aharoni" pitchFamily="2" charset="-79"/>
                 <a:cs typeface="Aharoni" pitchFamily="2" charset="-79"/>
               </a:rPr>
               <a:t>digunakan</a:t>
             </a:r>
             <a:r>
-              <a:rPr lang="en-US" dirty="0">
+              <a:rPr lang="en-US" sz="2400" dirty="0">
                 <a:latin typeface="Aharoni" pitchFamily="2" charset="-79"/>
                 <a:cs typeface="Aharoni" pitchFamily="2" charset="-79"/>
               </a:rPr>
               <a:t> </a:t>
             </a:r>
             <a:r>
-              <a:rPr lang="en-US" dirty="0" err="1">
+              <a:rPr lang="en-US" sz="2400" dirty="0" err="1">
                 <a:latin typeface="Aharoni" pitchFamily="2" charset="-79"/>
                 <a:cs typeface="Aharoni" pitchFamily="2" charset="-79"/>
               </a:rPr>
               <a:t>untuk</a:t>
             </a:r>
             <a:r>
-              <a:rPr lang="en-US" dirty="0">
+              <a:rPr lang="en-US" sz="2400" dirty="0">
                 <a:latin typeface="Aharoni" pitchFamily="2" charset="-79"/>
                 <a:cs typeface="Aharoni" pitchFamily="2" charset="-79"/>
               </a:rPr>
               <a:t> </a:t>
             </a:r>
             <a:r>
-              <a:rPr lang="en-US" dirty="0" smtClean="0">
+              <a:rPr lang="en-US" sz="2400" dirty="0" smtClean="0">
                 <a:latin typeface="Aharoni" pitchFamily="2" charset="-79"/>
                 <a:cs typeface="Aharoni" pitchFamily="2" charset="-79"/>
               </a:rPr>
@@ -22017,49 +22150,49 @@
               <a:buChar char="v"/>
             </a:pPr>
             <a:r>
-              <a:rPr lang="en-US" dirty="0" err="1">
+              <a:rPr lang="en-US" sz="2400" dirty="0" err="1">
                 <a:latin typeface="Aharoni" pitchFamily="2" charset="-79"/>
                 <a:cs typeface="Aharoni" pitchFamily="2" charset="-79"/>
               </a:rPr>
               <a:t>Memiliki</a:t>
             </a:r>
             <a:r>
-              <a:rPr lang="en-US" dirty="0">
+              <a:rPr lang="en-US" sz="2400" dirty="0">
                 <a:latin typeface="Aharoni" pitchFamily="2" charset="-79"/>
                 <a:cs typeface="Aharoni" pitchFamily="2" charset="-79"/>
               </a:rPr>
               <a:t> dashboard </a:t>
             </a:r>
             <a:r>
-              <a:rPr lang="en-US" dirty="0" err="1">
+              <a:rPr lang="en-US" sz="2400" dirty="0" err="1">
                 <a:latin typeface="Aharoni" pitchFamily="2" charset="-79"/>
                 <a:cs typeface="Aharoni" pitchFamily="2" charset="-79"/>
               </a:rPr>
               <a:t>todo</a:t>
             </a:r>
             <a:r>
-              <a:rPr lang="en-US" dirty="0">
+              <a:rPr lang="en-US" sz="2400" dirty="0">
                 <a:latin typeface="Aharoni" pitchFamily="2" charset="-79"/>
                 <a:cs typeface="Aharoni" pitchFamily="2" charset="-79"/>
               </a:rPr>
               <a:t> list, user </a:t>
             </a:r>
             <a:r>
-              <a:rPr lang="en-US" dirty="0" err="1">
+              <a:rPr lang="en-US" sz="2400" dirty="0" err="1">
                 <a:latin typeface="Aharoni" pitchFamily="2" charset="-79"/>
                 <a:cs typeface="Aharoni" pitchFamily="2" charset="-79"/>
               </a:rPr>
               <a:t>favourite</a:t>
             </a:r>
             <a:r>
-              <a:rPr lang="en-US" dirty="0">
+              <a:rPr lang="en-US" sz="2400" dirty="0">
                 <a:latin typeface="Aharoni" pitchFamily="2" charset="-79"/>
                 <a:cs typeface="Aharoni" pitchFamily="2" charset="-79"/>
               </a:rPr>
               <a:t> menu, </a:t>
             </a:r>
             <a:r>
-              <a:rPr lang="en-US" dirty="0" smtClean="0">
+              <a:rPr lang="en-US" sz="2400" dirty="0" smtClean="0">
                 <a:latin typeface="Aharoni" pitchFamily="2" charset="-79"/>
                 <a:cs typeface="Aharoni" pitchFamily="2" charset="-79"/>
               </a:rPr>
@@ -22396,7 +22529,7 @@
         </p:nvSpPr>
         <p:spPr>
           <a:xfrm>
-            <a:off x="826771" y="2105025"/>
+            <a:off x="826771" y="2433638"/>
             <a:ext cx="1371598" cy="685800"/>
           </a:xfrm>
           <a:prstGeom prst="rect">
@@ -22465,7 +22598,7 @@
         </p:nvSpPr>
         <p:spPr>
           <a:xfrm>
-            <a:off x="826770" y="3457575"/>
+            <a:off x="826770" y="3786188"/>
             <a:ext cx="1371599" cy="771525"/>
           </a:xfrm>
           <a:prstGeom prst="diamond">
@@ -22526,7 +22659,7 @@
         </p:nvCxnSpPr>
         <p:spPr>
           <a:xfrm>
-            <a:off x="1512570" y="2790825"/>
+            <a:off x="1512570" y="3119438"/>
             <a:ext cx="0" cy="666750"/>
           </a:xfrm>
           <a:prstGeom prst="straightConnector1">
@@ -22559,7 +22692,7 @@
         </p:nvSpPr>
         <p:spPr>
           <a:xfrm>
-            <a:off x="826770" y="4676775"/>
+            <a:off x="826770" y="5005388"/>
             <a:ext cx="1371598" cy="685800"/>
           </a:xfrm>
           <a:prstGeom prst="rect">
@@ -22639,7 +22772,7 @@
         </p:nvCxnSpPr>
         <p:spPr>
           <a:xfrm flipH="1">
-            <a:off x="1512569" y="4229100"/>
+            <a:off x="1512569" y="4557713"/>
             <a:ext cx="1" cy="447675"/>
           </a:xfrm>
           <a:prstGeom prst="straightConnector1">
@@ -22675,7 +22808,7 @@
         </p:nvCxnSpPr>
         <p:spPr>
           <a:xfrm flipV="1">
-            <a:off x="2198369" y="2447925"/>
+            <a:off x="2198369" y="2776538"/>
             <a:ext cx="12700" cy="1395413"/>
           </a:xfrm>
           <a:prstGeom prst="bentConnector3">
@@ -22710,7 +22843,7 @@
         </p:nvSpPr>
         <p:spPr>
           <a:xfrm>
-            <a:off x="1995556" y="3007131"/>
+            <a:off x="1995556" y="3335744"/>
             <a:ext cx="735009" cy="276999"/>
           </a:xfrm>
           <a:prstGeom prst="rect">
@@ -22753,7 +22886,7 @@
         </p:nvSpPr>
         <p:spPr>
           <a:xfrm>
-            <a:off x="1591091" y="4273808"/>
+            <a:off x="1591091" y="4602421"/>
             <a:ext cx="1126142" cy="276999"/>
           </a:xfrm>
           <a:prstGeom prst="rect">
@@ -22804,7 +22937,7 @@
         </p:nvSpPr>
         <p:spPr>
           <a:xfrm>
-            <a:off x="3809997" y="2076450"/>
+            <a:off x="3809997" y="2405063"/>
             <a:ext cx="1981201" cy="685800"/>
           </a:xfrm>
           <a:prstGeom prst="rect">
@@ -22919,7 +23052,7 @@
         </p:nvCxnSpPr>
         <p:spPr>
           <a:xfrm flipV="1">
-            <a:off x="2198368" y="2419350"/>
+            <a:off x="2198368" y="2747963"/>
             <a:ext cx="1611629" cy="2600325"/>
           </a:xfrm>
           <a:prstGeom prst="bentConnector3">
@@ -22954,7 +23087,7 @@
         </p:nvSpPr>
         <p:spPr>
           <a:xfrm>
-            <a:off x="190501" y="2257425"/>
+            <a:off x="190501" y="2586038"/>
             <a:ext cx="419100" cy="381000"/>
           </a:xfrm>
           <a:prstGeom prst="ellipse">
@@ -22999,7 +23132,7 @@
         </p:nvCxnSpPr>
         <p:spPr>
           <a:xfrm>
-            <a:off x="609601" y="2447925"/>
+            <a:off x="609601" y="2776538"/>
             <a:ext cx="217170" cy="0"/>
           </a:xfrm>
           <a:prstGeom prst="straightConnector1">
@@ -23032,7 +23165,7 @@
         </p:nvSpPr>
         <p:spPr>
           <a:xfrm>
-            <a:off x="3809996" y="3207543"/>
+            <a:off x="3809996" y="3536156"/>
             <a:ext cx="1981201" cy="685800"/>
           </a:xfrm>
           <a:prstGeom prst="rect">
@@ -23165,7 +23298,7 @@
         </p:nvCxnSpPr>
         <p:spPr>
           <a:xfrm flipH="1">
-            <a:off x="4800597" y="2762250"/>
+            <a:off x="4800597" y="3090863"/>
             <a:ext cx="1" cy="445293"/>
           </a:xfrm>
           <a:prstGeom prst="straightConnector1">
@@ -23198,7 +23331,7 @@
         </p:nvSpPr>
         <p:spPr>
           <a:xfrm>
-            <a:off x="4114796" y="4452937"/>
+            <a:off x="4114796" y="4781550"/>
             <a:ext cx="1371599" cy="771525"/>
           </a:xfrm>
           <a:prstGeom prst="diamond">
@@ -23259,7 +23392,7 @@
         </p:nvCxnSpPr>
         <p:spPr>
           <a:xfrm flipH="1">
-            <a:off x="4800596" y="3893343"/>
+            <a:off x="4800596" y="4221956"/>
             <a:ext cx="1" cy="559594"/>
           </a:xfrm>
           <a:prstGeom prst="straightConnector1">
@@ -23292,7 +23425,7 @@
         </p:nvSpPr>
         <p:spPr>
           <a:xfrm>
-            <a:off x="7162799" y="2076450"/>
+            <a:off x="7162799" y="2405063"/>
             <a:ext cx="1600199" cy="819150"/>
           </a:xfrm>
           <a:prstGeom prst="rect">
@@ -23433,7 +23566,7 @@
         </p:nvCxnSpPr>
         <p:spPr>
           <a:xfrm flipV="1">
-            <a:off x="5486395" y="3550443"/>
+            <a:off x="5486395" y="3879056"/>
             <a:ext cx="304802" cy="1288257"/>
           </a:xfrm>
           <a:prstGeom prst="bentConnector3">
@@ -23468,7 +23601,7 @@
         </p:nvSpPr>
         <p:spPr>
           <a:xfrm>
-            <a:off x="5301318" y="4090600"/>
+            <a:off x="5301318" y="4419213"/>
             <a:ext cx="979755" cy="276999"/>
           </a:xfrm>
           <a:prstGeom prst="rect">
@@ -23522,7 +23655,7 @@
         </p:nvCxnSpPr>
         <p:spPr>
           <a:xfrm rot="5400000" flipH="1" flipV="1">
-            <a:off x="4612478" y="2674142"/>
+            <a:off x="4612478" y="3002755"/>
             <a:ext cx="2738437" cy="2362203"/>
           </a:xfrm>
           <a:prstGeom prst="bentConnector4">
@@ -23558,7 +23691,7 @@
         </p:nvSpPr>
         <p:spPr>
           <a:xfrm>
-            <a:off x="7153274" y="3259156"/>
+            <a:off x="7153274" y="3657600"/>
             <a:ext cx="1600199" cy="819150"/>
           </a:xfrm>
           <a:prstGeom prst="rect">
@@ -23667,7 +23800,7 @@
         </p:nvSpPr>
         <p:spPr>
           <a:xfrm>
-            <a:off x="7791450" y="4568125"/>
+            <a:off x="7791450" y="4896738"/>
             <a:ext cx="314876" cy="346364"/>
           </a:xfrm>
           <a:prstGeom prst="ellipse">
@@ -23712,8 +23845,8 @@
         </p:nvCxnSpPr>
         <p:spPr>
           <a:xfrm flipH="1">
-            <a:off x="7948888" y="4078306"/>
-            <a:ext cx="4486" cy="489819"/>
+            <a:off x="7948888" y="4476750"/>
+            <a:ext cx="4486" cy="419988"/>
           </a:xfrm>
           <a:prstGeom prst="straightConnector1">
             <a:avLst/>
@@ -23745,7 +23878,7 @@
         </p:nvSpPr>
         <p:spPr>
           <a:xfrm>
-            <a:off x="6123635" y="2246168"/>
+            <a:off x="6123635" y="2574781"/>
             <a:ext cx="314876" cy="346364"/>
           </a:xfrm>
           <a:prstGeom prst="ellipse">
@@ -23789,7 +23922,7 @@
         </p:nvCxnSpPr>
         <p:spPr>
           <a:xfrm>
-            <a:off x="5791198" y="2419350"/>
+            <a:off x="5791198" y="2747963"/>
             <a:ext cx="332437" cy="0"/>
           </a:xfrm>
           <a:prstGeom prst="straightConnector1">
@@ -23822,7 +23955,7 @@
         </p:nvSpPr>
         <p:spPr>
           <a:xfrm>
-            <a:off x="5535012" y="5109388"/>
+            <a:off x="5535012" y="5438001"/>
             <a:ext cx="588623" cy="276999"/>
           </a:xfrm>
           <a:prstGeom prst="rect">
@@ -23857,6 +23990,42 @@
           </a:p>
         </p:txBody>
       </p:sp>
+      <p:cxnSp>
+        <p:nvCxnSpPr>
+          <p:cNvPr id="33" name="Straight Arrow Connector 32"/>
+          <p:cNvCxnSpPr>
+            <a:stCxn id="53" idx="2"/>
+            <a:endCxn id="64" idx="0"/>
+          </p:cNvCxnSpPr>
+          <p:nvPr/>
+        </p:nvCxnSpPr>
+        <p:spPr>
+          <a:xfrm flipH="1">
+            <a:off x="7953374" y="3224213"/>
+            <a:ext cx="9525" cy="433387"/>
+          </a:xfrm>
+          <a:prstGeom prst="straightConnector1">
+            <a:avLst/>
+          </a:prstGeom>
+          <a:ln>
+            <a:tailEnd type="arrow"/>
+          </a:ln>
+        </p:spPr>
+        <p:style>
+          <a:lnRef idx="2">
+            <a:schemeClr val="dk1"/>
+          </a:lnRef>
+          <a:fillRef idx="0">
+            <a:schemeClr val="dk1"/>
+          </a:fillRef>
+          <a:effectRef idx="1">
+            <a:schemeClr val="dk1"/>
+          </a:effectRef>
+          <a:fontRef idx="minor">
+            <a:schemeClr val="tx1"/>
+          </a:fontRef>
+        </p:style>
+      </p:cxnSp>
     </p:spTree>
     <p:extLst>
       <p:ext uri="{BB962C8B-B14F-4D97-AF65-F5344CB8AC3E}">
@@ -25377,7 +25546,7 @@
         </p:nvSpPr>
         <p:spPr>
           <a:xfrm>
-            <a:off x="381001" y="2105025"/>
+            <a:off x="381001" y="2600325"/>
             <a:ext cx="2145029" cy="685800"/>
           </a:xfrm>
           <a:prstGeom prst="rect">
@@ -25494,7 +25663,7 @@
         </p:nvSpPr>
         <p:spPr>
           <a:xfrm>
-            <a:off x="381000" y="3200400"/>
+            <a:off x="381000" y="3695700"/>
             <a:ext cx="2145029" cy="685800"/>
           </a:xfrm>
           <a:prstGeom prst="rect">
@@ -25582,7 +25751,7 @@
         </p:nvCxnSpPr>
         <p:spPr>
           <a:xfrm flipH="1">
-            <a:off x="1453515" y="2790825"/>
+            <a:off x="1453515" y="3286125"/>
             <a:ext cx="1" cy="409575"/>
           </a:xfrm>
           <a:prstGeom prst="straightConnector1">
@@ -25615,7 +25784,7 @@
         </p:nvSpPr>
         <p:spPr>
           <a:xfrm>
-            <a:off x="381002" y="4343400"/>
+            <a:off x="381002" y="4838700"/>
             <a:ext cx="2145028" cy="771525"/>
           </a:xfrm>
           <a:prstGeom prst="diamond">
@@ -25692,7 +25861,7 @@
         </p:nvCxnSpPr>
         <p:spPr>
           <a:xfrm>
-            <a:off x="1453515" y="3886200"/>
+            <a:off x="1453515" y="4381500"/>
             <a:ext cx="1" cy="457200"/>
           </a:xfrm>
           <a:prstGeom prst="straightConnector1">
@@ -25725,7 +25894,7 @@
         </p:nvSpPr>
         <p:spPr>
           <a:xfrm>
-            <a:off x="3306271" y="2987337"/>
+            <a:off x="3306271" y="3482637"/>
             <a:ext cx="1126142" cy="276999"/>
           </a:xfrm>
           <a:prstGeom prst="rect">
@@ -25776,7 +25945,7 @@
         </p:nvSpPr>
         <p:spPr>
           <a:xfrm>
-            <a:off x="3869341" y="2105025"/>
+            <a:off x="3869341" y="2600325"/>
             <a:ext cx="1236059" cy="685800"/>
           </a:xfrm>
           <a:prstGeom prst="rect">
@@ -25832,7 +26001,7 @@
         </p:nvCxnSpPr>
         <p:spPr>
           <a:xfrm flipV="1">
-            <a:off x="2526030" y="2447925"/>
+            <a:off x="2526030" y="2943225"/>
             <a:ext cx="1343311" cy="2281238"/>
           </a:xfrm>
           <a:prstGeom prst="bentConnector3">
@@ -25865,7 +26034,7 @@
         </p:nvSpPr>
         <p:spPr>
           <a:xfrm>
-            <a:off x="2462676" y="5197822"/>
+            <a:off x="2462676" y="5693122"/>
             <a:ext cx="735009" cy="276999"/>
           </a:xfrm>
           <a:prstGeom prst="rect">
@@ -25908,7 +26077,7 @@
         </p:nvSpPr>
         <p:spPr>
           <a:xfrm>
-            <a:off x="3869340" y="4848999"/>
+            <a:off x="3869340" y="5344299"/>
             <a:ext cx="2988660" cy="685800"/>
           </a:xfrm>
           <a:prstGeom prst="rect">
@@ -26102,42 +26271,6 @@
           </a:p>
         </p:txBody>
       </p:sp>
-      <p:cxnSp>
-        <p:nvCxnSpPr>
-          <p:cNvPr id="29" name="Straight Arrow Connector 28"/>
-          <p:cNvCxnSpPr>
-            <a:stCxn id="13" idx="2"/>
-            <a:endCxn id="27" idx="1"/>
-          </p:cNvCxnSpPr>
-          <p:nvPr/>
-        </p:nvCxnSpPr>
-        <p:spPr>
-          <a:xfrm>
-            <a:off x="1453516" y="5114925"/>
-            <a:ext cx="2415824" cy="76974"/>
-          </a:xfrm>
-          <a:prstGeom prst="straightConnector1">
-            <a:avLst/>
-          </a:prstGeom>
-          <a:ln>
-            <a:tailEnd type="arrow"/>
-          </a:ln>
-        </p:spPr>
-        <p:style>
-          <a:lnRef idx="2">
-            <a:schemeClr val="dk1"/>
-          </a:lnRef>
-          <a:fillRef idx="0">
-            <a:schemeClr val="dk1"/>
-          </a:fillRef>
-          <a:effectRef idx="1">
-            <a:schemeClr val="dk1"/>
-          </a:effectRef>
-          <a:fontRef idx="minor">
-            <a:schemeClr val="tx1"/>
-          </a:fontRef>
-        </p:style>
-      </p:cxnSp>
       <p:sp>
         <p:nvSpPr>
           <p:cNvPr id="30" name="Rectangle 29"/>
@@ -26146,7 +26279,7 @@
         </p:nvSpPr>
         <p:spPr>
           <a:xfrm>
-            <a:off x="6627495" y="2095500"/>
+            <a:off x="6627495" y="2590800"/>
             <a:ext cx="2145029" cy="685800"/>
           </a:xfrm>
           <a:prstGeom prst="rect">
@@ -26266,7 +26399,7 @@
         </p:nvCxnSpPr>
         <p:spPr>
           <a:xfrm rot="5400000" flipH="1" flipV="1">
-            <a:off x="4790283" y="3011788"/>
+            <a:off x="4790283" y="3507088"/>
             <a:ext cx="2410599" cy="1263825"/>
           </a:xfrm>
           <a:prstGeom prst="bentConnector2">
@@ -26299,7 +26432,7 @@
         </p:nvSpPr>
         <p:spPr>
           <a:xfrm>
-            <a:off x="6617971" y="3352800"/>
+            <a:off x="6617971" y="3848100"/>
             <a:ext cx="2145029" cy="685800"/>
           </a:xfrm>
           <a:prstGeom prst="rect">
@@ -26403,10 +26536,46 @@
         </p:nvCxnSpPr>
         <p:spPr>
           <a:xfrm flipH="1">
-            <a:off x="7690486" y="2781300"/>
+            <a:off x="7690486" y="3276600"/>
             <a:ext cx="9524" cy="571500"/>
           </a:xfrm>
           <a:prstGeom prst="straightConnector1">
+            <a:avLst/>
+          </a:prstGeom>
+          <a:ln>
+            <a:tailEnd type="arrow"/>
+          </a:ln>
+        </p:spPr>
+        <p:style>
+          <a:lnRef idx="2">
+            <a:schemeClr val="dk1"/>
+          </a:lnRef>
+          <a:fillRef idx="0">
+            <a:schemeClr val="dk1"/>
+          </a:fillRef>
+          <a:effectRef idx="1">
+            <a:schemeClr val="dk1"/>
+          </a:effectRef>
+          <a:fontRef idx="minor">
+            <a:schemeClr val="tx1"/>
+          </a:fontRef>
+        </p:style>
+      </p:cxnSp>
+      <p:cxnSp>
+        <p:nvCxnSpPr>
+          <p:cNvPr id="3" name="Elbow Connector 2"/>
+          <p:cNvCxnSpPr>
+            <a:stCxn id="13" idx="2"/>
+            <a:endCxn id="27" idx="1"/>
+          </p:cNvCxnSpPr>
+          <p:nvPr/>
+        </p:nvCxnSpPr>
+        <p:spPr>
+          <a:xfrm rot="16200000" flipH="1">
+            <a:off x="2622941" y="4440800"/>
+            <a:ext cx="76974" cy="2415824"/>
+          </a:xfrm>
+          <a:prstGeom prst="bentConnector2">
             <a:avLst/>
           </a:prstGeom>
           <a:ln>
